--- a/Meeting_4/Slides_Meeting_4.pptx
+++ b/Meeting_4/Slides_Meeting_4.pptx
@@ -108,6 +108,11 @@
       </a:defRPr>
     </a:lvl9pPr>
   </p:defaultTextStyle>
+  <p:extLst>
+    <p:ext uri="{EFAFB233-063F-42B5-8137-9DF3F51BA10A}">
+      <p15:sldGuideLst xmlns:p15="http://schemas.microsoft.com/office/powerpoint/2012/main"/>
+    </p:ext>
+  </p:extLst>
 </p:presentation>
 </file>
 
@@ -260,7 +265,7 @@
           <a:p>
             <a:fld id="{06414362-4323-4B31-93C8-EBEA3775FDBB}" type="datetimeFigureOut">
               <a:rPr lang="nl-BE" smtClean="0"/>
-              <a:t>28/11/2021</a:t>
+              <a:t>30/11/2021</a:t>
             </a:fld>
             <a:endParaRPr lang="nl-BE"/>
           </a:p>
@@ -460,7 +465,7 @@
           <a:p>
             <a:fld id="{06414362-4323-4B31-93C8-EBEA3775FDBB}" type="datetimeFigureOut">
               <a:rPr lang="nl-BE" smtClean="0"/>
-              <a:t>28/11/2021</a:t>
+              <a:t>30/11/2021</a:t>
             </a:fld>
             <a:endParaRPr lang="nl-BE"/>
           </a:p>
@@ -670,7 +675,7 @@
           <a:p>
             <a:fld id="{06414362-4323-4B31-93C8-EBEA3775FDBB}" type="datetimeFigureOut">
               <a:rPr lang="nl-BE" smtClean="0"/>
-              <a:t>28/11/2021</a:t>
+              <a:t>30/11/2021</a:t>
             </a:fld>
             <a:endParaRPr lang="nl-BE"/>
           </a:p>
@@ -870,7 +875,7 @@
           <a:p>
             <a:fld id="{06414362-4323-4B31-93C8-EBEA3775FDBB}" type="datetimeFigureOut">
               <a:rPr lang="nl-BE" smtClean="0"/>
-              <a:t>28/11/2021</a:t>
+              <a:t>30/11/2021</a:t>
             </a:fld>
             <a:endParaRPr lang="nl-BE"/>
           </a:p>
@@ -1146,7 +1151,7 @@
           <a:p>
             <a:fld id="{06414362-4323-4B31-93C8-EBEA3775FDBB}" type="datetimeFigureOut">
               <a:rPr lang="nl-BE" smtClean="0"/>
-              <a:t>28/11/2021</a:t>
+              <a:t>30/11/2021</a:t>
             </a:fld>
             <a:endParaRPr lang="nl-BE"/>
           </a:p>
@@ -1414,7 +1419,7 @@
           <a:p>
             <a:fld id="{06414362-4323-4B31-93C8-EBEA3775FDBB}" type="datetimeFigureOut">
               <a:rPr lang="nl-BE" smtClean="0"/>
-              <a:t>28/11/2021</a:t>
+              <a:t>30/11/2021</a:t>
             </a:fld>
             <a:endParaRPr lang="nl-BE"/>
           </a:p>
@@ -1829,7 +1834,7 @@
           <a:p>
             <a:fld id="{06414362-4323-4B31-93C8-EBEA3775FDBB}" type="datetimeFigureOut">
               <a:rPr lang="nl-BE" smtClean="0"/>
-              <a:t>28/11/2021</a:t>
+              <a:t>30/11/2021</a:t>
             </a:fld>
             <a:endParaRPr lang="nl-BE"/>
           </a:p>
@@ -1971,7 +1976,7 @@
           <a:p>
             <a:fld id="{06414362-4323-4B31-93C8-EBEA3775FDBB}" type="datetimeFigureOut">
               <a:rPr lang="nl-BE" smtClean="0"/>
-              <a:t>28/11/2021</a:t>
+              <a:t>30/11/2021</a:t>
             </a:fld>
             <a:endParaRPr lang="nl-BE"/>
           </a:p>
@@ -2084,7 +2089,7 @@
           <a:p>
             <a:fld id="{06414362-4323-4B31-93C8-EBEA3775FDBB}" type="datetimeFigureOut">
               <a:rPr lang="nl-BE" smtClean="0"/>
-              <a:t>28/11/2021</a:t>
+              <a:t>30/11/2021</a:t>
             </a:fld>
             <a:endParaRPr lang="nl-BE"/>
           </a:p>
@@ -2397,7 +2402,7 @@
           <a:p>
             <a:fld id="{06414362-4323-4B31-93C8-EBEA3775FDBB}" type="datetimeFigureOut">
               <a:rPr lang="nl-BE" smtClean="0"/>
-              <a:t>28/11/2021</a:t>
+              <a:t>30/11/2021</a:t>
             </a:fld>
             <a:endParaRPr lang="nl-BE"/>
           </a:p>
@@ -2686,7 +2691,7 @@
           <a:p>
             <a:fld id="{06414362-4323-4B31-93C8-EBEA3775FDBB}" type="datetimeFigureOut">
               <a:rPr lang="nl-BE" smtClean="0"/>
-              <a:t>28/11/2021</a:t>
+              <a:t>30/11/2021</a:t>
             </a:fld>
             <a:endParaRPr lang="nl-BE"/>
           </a:p>
@@ -2929,7 +2934,7 @@
           <a:p>
             <a:fld id="{06414362-4323-4B31-93C8-EBEA3775FDBB}" type="datetimeFigureOut">
               <a:rPr lang="nl-BE" smtClean="0"/>
-              <a:t>28/11/2021</a:t>
+              <a:t>30/11/2021</a:t>
             </a:fld>
             <a:endParaRPr lang="nl-BE"/>
           </a:p>
@@ -3713,8 +3718,8 @@
           </a:p>
         </p:txBody>
       </p:sp>
-      <mc:AlternateContent xmlns:mc="http://schemas.openxmlformats.org/markup-compatibility/2006">
-        <mc:Choice xmlns:a14="http://schemas.microsoft.com/office/drawing/2010/main" Requires="a14">
+      <mc:AlternateContent xmlns:mc="http://schemas.openxmlformats.org/markup-compatibility/2006" xmlns:a14="http://schemas.microsoft.com/office/drawing/2010/main">
+        <mc:Choice Requires="a14">
           <p:sp>
             <p:nvSpPr>
               <p:cNvPr id="3" name="Content Placeholder 2">
@@ -4140,13 +4145,7 @@
                       <a:rPr lang="nl-BE" sz="1800" b="0" i="1" smtClean="0">
                         <a:latin typeface="Cambria Math" panose="02040503050406030204" pitchFamily="18" charset="0"/>
                       </a:rPr>
-                      <m:t>0</m:t>
-                    </m:r>
-                    <m:r>
-                      <a:rPr lang="nl-BE" sz="1800" b="0" i="1" smtClean="0">
-                        <a:latin typeface="Cambria Math" panose="02040503050406030204" pitchFamily="18" charset="0"/>
-                      </a:rPr>
-                      <m:t>=</m:t>
+                      <m:t>0=</m:t>
                     </m:r>
                     <m:r>
                       <a:rPr lang="nl-BE" sz="1800" b="0" i="1" smtClean="0">
@@ -5210,7 +5209,7 @@
             </p:txBody>
           </p:sp>
         </mc:Choice>
-        <mc:Fallback>
+        <mc:Fallback xmlns="">
           <p:sp>
             <p:nvSpPr>
               <p:cNvPr id="3" name="Content Placeholder 2">
